--- a/第2章-开源桌面GIS软件简介-6课时/第2章-2-开源桌面GIS软件简介-SNAP软件-2学时.pptx
+++ b/第2章-开源桌面GIS软件简介-6课时/第2章-2-开源桌面GIS软件简介-SNAP软件-2学时.pptx
@@ -8067,7 +8067,7 @@
               </a14:hiddenFill>
             </a:ext>
             <a:ext uri="{FAA26D3D-D897-4be2-8F04-BA451C77F1D7}">
-              <ma14:placeholderFlag xmlns="" xmlns:ma14="http://schemas.microsoft.com/office/mac/drawingml/2011/main" val="1"/>
+              <ma14:placeholderFlag xmlns:ma14="http://schemas.microsoft.com/office/mac/drawingml/2011/main" xmlns="" val="1"/>
             </a:ext>
           </a:extLst>
         </p:spPr>
@@ -8451,7 +8451,7 @@
               </a14:hiddenLine>
             </a:ext>
             <a:ext uri="{FAA26D3D-D897-4be2-8F04-BA451C77F1D7}">
-              <ma14:placeholderFlag xmlns:ma14="http://schemas.microsoft.com/office/mac/drawingml/2011/main" xmlns="" val="1"/>
+              <ma14:placeholderFlag xmlns="" xmlns:ma14="http://schemas.microsoft.com/office/mac/drawingml/2011/main" val="1"/>
             </a:ext>
           </a:extLst>
         </p:spPr>
@@ -11036,7 +11036,7 @@
               </a14:hiddenLine>
             </a:ext>
             <a:ext uri="{FAA26D3D-D897-4be2-8F04-BA451C77F1D7}">
-              <ma14:placeholderFlag xmlns:ma14="http://schemas.microsoft.com/office/mac/drawingml/2011/main" xmlns="" val="1"/>
+              <ma14:placeholderFlag xmlns="" xmlns:ma14="http://schemas.microsoft.com/office/mac/drawingml/2011/main" val="1"/>
             </a:ext>
           </a:extLst>
         </p:spPr>
@@ -14727,7 +14727,7 @@
               </a14:hiddenLine>
             </a:ext>
             <a:ext uri="{FAA26D3D-D897-4be2-8F04-BA451C77F1D7}">
-              <ma14:placeholderFlag xmlns:ma14="http://schemas.microsoft.com/office/mac/drawingml/2011/main" xmlns="" val="1"/>
+              <ma14:placeholderFlag xmlns="" xmlns:ma14="http://schemas.microsoft.com/office/mac/drawingml/2011/main" val="1"/>
             </a:ext>
           </a:extLst>
         </p:spPr>
@@ -18300,6 +18300,16 @@
           <a:lstStyle/>
           <a:p>
             <a:r>
+              <a:rPr lang="zh-CN" altLang="en-US" b="1" u="sng">
+                <a:solidFill>
+                  <a:srgbClr val="FF0000"/>
+                </a:solidFill>
+                <a:latin typeface="+mn-ea"/>
+                <a:ea typeface="+mn-ea"/>
+              </a:rPr>
+              <a:t>题目：基于</a:t>
+            </a:r>
+            <a:r>
               <a:rPr lang="zh-CN" altLang="en-US" b="1" u="sng" dirty="0">
                 <a:solidFill>
                   <a:srgbClr val="FF0000"/>
@@ -18307,7 +18317,7 @@
                 <a:latin typeface="+mn-ea"/>
                 <a:ea typeface="+mn-ea"/>
               </a:rPr>
-              <a:t>基于开源</a:t>
+              <a:t>开源</a:t>
             </a:r>
             <a:r>
               <a:rPr lang="en-US" altLang="zh-CN" b="1" u="sng" dirty="0">
